--- a/578 - Unto God Who Knows Our Every Weakness.pptx
+++ b/578 - Unto God Who Knows Our Every Weakness.pptx
@@ -114,10 +114,6 @@
 </p:presentation>
 </file>
 
-<file path=ppt/revisionInfo.xml><?xml version="1.0" encoding="utf-8"?>
-<p1510:revInfo xmlns:a="http://schemas.openxmlformats.org/drawingml/2006/main" xmlns:r="http://schemas.openxmlformats.org/officeDocument/2006/relationships" xmlns:p1510="http://schemas.microsoft.com/office/powerpoint/2015/10/main"/>
-</file>
-
 <file path=ppt/slideLayouts/slideLayout1.xml><?xml version="1.0" encoding="utf-8"?>
 <p:sldLayout xmlns:a="http://schemas.openxmlformats.org/drawingml/2006/main" xmlns:r="http://schemas.openxmlformats.org/officeDocument/2006/relationships" xmlns:p="http://schemas.openxmlformats.org/presentationml/2006/main" type="title" preserve="1">
   <p:cSld name="Title Slide">
@@ -247,7 +243,7 @@
           <a:p>
             <a:fld id="{32F7251A-AE54-443C-B8FE-5F636E835EBF}" type="datetimeFigureOut">
               <a:rPr lang="en-US" smtClean="0"/>
-              <a:t>12/10/2017</a:t>
+              <a:t>7/12/2020</a:t>
             </a:fld>
             <a:endParaRPr lang="en-US"/>
           </a:p>
@@ -415,7 +411,7 @@
           <a:p>
             <a:fld id="{32F7251A-AE54-443C-B8FE-5F636E835EBF}" type="datetimeFigureOut">
               <a:rPr lang="en-US" smtClean="0"/>
-              <a:t>12/10/2017</a:t>
+              <a:t>7/12/2020</a:t>
             </a:fld>
             <a:endParaRPr lang="en-US"/>
           </a:p>
@@ -593,7 +589,7 @@
           <a:p>
             <a:fld id="{32F7251A-AE54-443C-B8FE-5F636E835EBF}" type="datetimeFigureOut">
               <a:rPr lang="en-US" smtClean="0"/>
-              <a:t>12/10/2017</a:t>
+              <a:t>7/12/2020</a:t>
             </a:fld>
             <a:endParaRPr lang="en-US"/>
           </a:p>
@@ -761,7 +757,7 @@
           <a:p>
             <a:fld id="{32F7251A-AE54-443C-B8FE-5F636E835EBF}" type="datetimeFigureOut">
               <a:rPr lang="en-US" smtClean="0"/>
-              <a:t>12/10/2017</a:t>
+              <a:t>7/12/2020</a:t>
             </a:fld>
             <a:endParaRPr lang="en-US"/>
           </a:p>
@@ -1006,7 +1002,7 @@
           <a:p>
             <a:fld id="{32F7251A-AE54-443C-B8FE-5F636E835EBF}" type="datetimeFigureOut">
               <a:rPr lang="en-US" smtClean="0"/>
-              <a:t>12/10/2017</a:t>
+              <a:t>7/12/2020</a:t>
             </a:fld>
             <a:endParaRPr lang="en-US"/>
           </a:p>
@@ -1235,7 +1231,7 @@
           <a:p>
             <a:fld id="{32F7251A-AE54-443C-B8FE-5F636E835EBF}" type="datetimeFigureOut">
               <a:rPr lang="en-US" smtClean="0"/>
-              <a:t>12/10/2017</a:t>
+              <a:t>7/12/2020</a:t>
             </a:fld>
             <a:endParaRPr lang="en-US"/>
           </a:p>
@@ -1599,7 +1595,7 @@
           <a:p>
             <a:fld id="{32F7251A-AE54-443C-B8FE-5F636E835EBF}" type="datetimeFigureOut">
               <a:rPr lang="en-US" smtClean="0"/>
-              <a:t>12/10/2017</a:t>
+              <a:t>7/12/2020</a:t>
             </a:fld>
             <a:endParaRPr lang="en-US"/>
           </a:p>
@@ -1716,7 +1712,7 @@
           <a:p>
             <a:fld id="{32F7251A-AE54-443C-B8FE-5F636E835EBF}" type="datetimeFigureOut">
               <a:rPr lang="en-US" smtClean="0"/>
-              <a:t>12/10/2017</a:t>
+              <a:t>7/12/2020</a:t>
             </a:fld>
             <a:endParaRPr lang="en-US"/>
           </a:p>
@@ -1811,7 +1807,7 @@
           <a:p>
             <a:fld id="{32F7251A-AE54-443C-B8FE-5F636E835EBF}" type="datetimeFigureOut">
               <a:rPr lang="en-US" smtClean="0"/>
-              <a:t>12/10/2017</a:t>
+              <a:t>7/12/2020</a:t>
             </a:fld>
             <a:endParaRPr lang="en-US"/>
           </a:p>
@@ -2086,7 +2082,7 @@
           <a:p>
             <a:fld id="{32F7251A-AE54-443C-B8FE-5F636E835EBF}" type="datetimeFigureOut">
               <a:rPr lang="en-US" smtClean="0"/>
-              <a:t>12/10/2017</a:t>
+              <a:t>7/12/2020</a:t>
             </a:fld>
             <a:endParaRPr lang="en-US"/>
           </a:p>
@@ -2338,7 +2334,7 @@
           <a:p>
             <a:fld id="{32F7251A-AE54-443C-B8FE-5F636E835EBF}" type="datetimeFigureOut">
               <a:rPr lang="en-US" smtClean="0"/>
-              <a:t>12/10/2017</a:t>
+              <a:t>7/12/2020</a:t>
             </a:fld>
             <a:endParaRPr lang="en-US"/>
           </a:p>
@@ -2405,7 +2401,9 @@
     <p:bg>
       <p:bgPr>
         <a:solidFill>
-          <a:srgbClr val="333333"/>
+          <a:schemeClr val="bg1">
+            <a:lumMod val="10000"/>
+          </a:schemeClr>
         </a:solidFill>
         <a:effectLst/>
       </p:bgPr>
@@ -2552,7 +2550,7 @@
           <a:p>
             <a:fld id="{32F7251A-AE54-443C-B8FE-5F636E835EBF}" type="datetimeFigureOut">
               <a:rPr lang="en-US" smtClean="0"/>
-              <a:t>12/10/2017</a:t>
+              <a:t>7/12/2020</a:t>
             </a:fld>
             <a:endParaRPr lang="en-US"/>
           </a:p>
@@ -3022,8 +3020,8 @@
         </p:nvSpPr>
         <p:spPr>
           <a:xfrm>
-            <a:off x="0" y="5804209"/>
-            <a:ext cx="12192000" cy="830997"/>
+            <a:off x="0" y="5927320"/>
+            <a:ext cx="12192000" cy="584775"/>
           </a:xfrm>
           <a:prstGeom prst="rect">
             <a:avLst/>
@@ -3038,10 +3036,12 @@
           <a:p>
             <a:pPr algn="ctr"/>
             <a:r>
-              <a:rPr lang="en-US" sz="4800" dirty="0">
+              <a:rPr lang="en-US" sz="3200" u="sng" dirty="0">
                 <a:solidFill>
                   <a:schemeClr val="bg1"/>
                 </a:solidFill>
+                <a:latin typeface="Assistant SemiBold" panose="00000700000000000000" pitchFamily="2" charset="-79"/>
+                <a:cs typeface="Assistant SemiBold" panose="00000700000000000000" pitchFamily="2" charset="-79"/>
               </a:rPr>
               <a:t>“Unto God Who Knows Our Every Weakness”</a:t>
             </a:r>
@@ -3056,8 +3056,8 @@
         </p:nvSpPr>
         <p:spPr>
           <a:xfrm>
-            <a:off x="0" y="248013"/>
-            <a:ext cx="12192000" cy="5632311"/>
+            <a:off x="0" y="858789"/>
+            <a:ext cx="12192000" cy="3609380"/>
           </a:xfrm>
           <a:prstGeom prst="rect">
             <a:avLst/>
@@ -3072,10 +3072,12 @@
           <a:p>
             <a:pPr algn="ctr"/>
             <a:r>
-              <a:rPr lang="en-US" sz="3600" dirty="0">
+              <a:rPr lang="en-US" sz="2800" spc="50" dirty="0">
                 <a:solidFill>
                   <a:schemeClr val="bg1"/>
                 </a:solidFill>
+                <a:latin typeface="Assistant" panose="00000500000000000000" pitchFamily="2" charset="-79"/>
+                <a:cs typeface="Assistant" panose="00000500000000000000" pitchFamily="2" charset="-79"/>
               </a:rPr>
               <a:t>Unto God, who knows our every weakness,</a:t>
             </a:r>
@@ -3083,10 +3085,12 @@
           <a:p>
             <a:pPr algn="ctr"/>
             <a:r>
-              <a:rPr lang="en-US" sz="3600" dirty="0">
+              <a:rPr lang="en-US" sz="2800" spc="50" dirty="0">
                 <a:solidFill>
                   <a:schemeClr val="bg1"/>
                 </a:solidFill>
+                <a:latin typeface="Assistant" panose="00000500000000000000" pitchFamily="2" charset="-79"/>
+                <a:cs typeface="Assistant" panose="00000500000000000000" pitchFamily="2" charset="-79"/>
               </a:rPr>
               <a:t>With faith we lift our hearts in prayer,</a:t>
             </a:r>
@@ -3094,10 +3098,12 @@
           <a:p>
             <a:pPr algn="ctr"/>
             <a:r>
-              <a:rPr lang="en-US" sz="3600" dirty="0">
+              <a:rPr lang="en-US" sz="2800" spc="50" dirty="0">
                 <a:solidFill>
                   <a:schemeClr val="bg1"/>
                 </a:solidFill>
+                <a:latin typeface="Assistant" panose="00000500000000000000" pitchFamily="2" charset="-79"/>
+                <a:cs typeface="Assistant" panose="00000500000000000000" pitchFamily="2" charset="-79"/>
               </a:rPr>
               <a:t>Asking, in humility and meekness,</a:t>
             </a:r>
@@ -3105,29 +3111,35 @@
           <a:p>
             <a:pPr algn="ctr"/>
             <a:r>
-              <a:rPr lang="en-US" sz="3600" dirty="0">
+              <a:rPr lang="en-US" sz="2800" spc="50" dirty="0">
                 <a:solidFill>
                   <a:schemeClr val="bg1"/>
                 </a:solidFill>
+                <a:latin typeface="Assistant" panose="00000500000000000000" pitchFamily="2" charset="-79"/>
+                <a:cs typeface="Assistant" panose="00000500000000000000" pitchFamily="2" charset="-79"/>
               </a:rPr>
               <a:t>For His love, His direction, and His care.</a:t>
             </a:r>
           </a:p>
           <a:p>
             <a:pPr algn="ctr"/>
-            <a:endParaRPr lang="en-US" sz="3600" dirty="0">
+            <a:endParaRPr lang="en-US" sz="2800" spc="50" dirty="0">
               <a:solidFill>
                 <a:schemeClr val="bg1"/>
               </a:solidFill>
+              <a:latin typeface="Assistant" panose="00000500000000000000" pitchFamily="2" charset="-79"/>
+              <a:cs typeface="Assistant" panose="00000500000000000000" pitchFamily="2" charset="-79"/>
             </a:endParaRPr>
           </a:p>
           <a:p>
             <a:pPr algn="ctr"/>
             <a:r>
-              <a:rPr lang="en-US" sz="3600" dirty="0">
+              <a:rPr lang="en-US" sz="2800" spc="50" dirty="0">
                 <a:solidFill>
                   <a:schemeClr val="bg1"/>
                 </a:solidFill>
+                <a:latin typeface="Assistant" panose="00000500000000000000" pitchFamily="2" charset="-79"/>
+                <a:cs typeface="Assistant" panose="00000500000000000000" pitchFamily="2" charset="-79"/>
               </a:rPr>
               <a:t>In these latter days, with songs of praise</a:t>
             </a:r>
@@ -3135,10 +3147,12 @@
           <a:p>
             <a:pPr algn="ctr"/>
             <a:r>
-              <a:rPr lang="en-US" sz="3600" dirty="0">
+              <a:rPr lang="en-US" sz="2800" spc="50" dirty="0">
                 <a:solidFill>
                   <a:schemeClr val="bg1"/>
                 </a:solidFill>
+                <a:latin typeface="Assistant" panose="00000500000000000000" pitchFamily="2" charset="-79"/>
+                <a:cs typeface="Assistant" panose="00000500000000000000" pitchFamily="2" charset="-79"/>
               </a:rPr>
               <a:t>We all must help to spread the gospel story,</a:t>
             </a:r>
@@ -3146,10 +3160,12 @@
           <a:p>
             <a:pPr algn="ctr"/>
             <a:r>
-              <a:rPr lang="en-US" sz="3600" dirty="0">
+              <a:rPr lang="en-US" sz="2800" spc="50" dirty="0">
                 <a:solidFill>
                   <a:schemeClr val="bg1"/>
                 </a:solidFill>
+                <a:latin typeface="Assistant" panose="00000500000000000000" pitchFamily="2" charset="-79"/>
+                <a:cs typeface="Assistant" panose="00000500000000000000" pitchFamily="2" charset="-79"/>
               </a:rPr>
               <a:t>Our every deed from sin be freed</a:t>
             </a:r>
@@ -3157,29 +3173,25 @@
           <a:p>
             <a:pPr algn="ctr"/>
             <a:r>
-              <a:rPr lang="en-US" sz="3600" dirty="0" err="1">
+              <a:rPr lang="en-US" sz="2800" spc="50" dirty="0" err="1">
                 <a:solidFill>
                   <a:schemeClr val="bg1"/>
                 </a:solidFill>
+                <a:latin typeface="Assistant" panose="00000500000000000000" pitchFamily="2" charset="-79"/>
+                <a:cs typeface="Assistant" panose="00000500000000000000" pitchFamily="2" charset="-79"/>
               </a:rPr>
               <a:t>‘Til</a:t>
             </a:r>
             <a:r>
-              <a:rPr lang="en-US" sz="3600" dirty="0">
+              <a:rPr lang="en-US" sz="2800" spc="50" dirty="0">
                 <a:solidFill>
                   <a:schemeClr val="bg1"/>
                 </a:solidFill>
+                <a:latin typeface="Assistant" panose="00000500000000000000" pitchFamily="2" charset="-79"/>
+                <a:cs typeface="Assistant" panose="00000500000000000000" pitchFamily="2" charset="-79"/>
               </a:rPr>
               <a:t> Zion we redeem </a:t>
             </a:r>
-          </a:p>
-          <a:p>
-            <a:pPr algn="ctr"/>
-            <a:endParaRPr lang="en-US" sz="3600" dirty="0">
-              <a:solidFill>
-                <a:schemeClr val="bg1"/>
-              </a:solidFill>
-            </a:endParaRPr>
           </a:p>
         </p:txBody>
       </p:sp>
@@ -3278,8 +3290,8 @@
         </p:nvSpPr>
         <p:spPr>
           <a:xfrm>
-            <a:off x="0" y="5804209"/>
-            <a:ext cx="12192000" cy="830997"/>
+            <a:off x="0" y="5927320"/>
+            <a:ext cx="12192000" cy="584775"/>
           </a:xfrm>
           <a:prstGeom prst="rect">
             <a:avLst/>
@@ -3294,10 +3306,12 @@
           <a:p>
             <a:pPr algn="ctr"/>
             <a:r>
-              <a:rPr lang="en-US" sz="4800" dirty="0">
+              <a:rPr lang="en-US" sz="3200" u="sng" dirty="0">
                 <a:solidFill>
                   <a:schemeClr val="bg1"/>
                 </a:solidFill>
+                <a:latin typeface="Assistant SemiBold" panose="00000700000000000000" pitchFamily="2" charset="-79"/>
+                <a:cs typeface="Assistant SemiBold" panose="00000700000000000000" pitchFamily="2" charset="-79"/>
               </a:rPr>
               <a:t>“Unto God Who Knows Our Every Weakness”</a:t>
             </a:r>
@@ -3312,8 +3326,8 @@
         </p:nvSpPr>
         <p:spPr>
           <a:xfrm>
-            <a:off x="0" y="297130"/>
-            <a:ext cx="12192000" cy="5078313"/>
+            <a:off x="0" y="910040"/>
+            <a:ext cx="12192000" cy="3609380"/>
           </a:xfrm>
           <a:prstGeom prst="rect">
             <a:avLst/>
@@ -3328,10 +3342,12 @@
           <a:p>
             <a:pPr algn="ctr"/>
             <a:r>
-              <a:rPr lang="en-US" sz="3600" dirty="0">
+              <a:rPr lang="en-US" sz="2800" spc="50" dirty="0">
                 <a:solidFill>
                   <a:schemeClr val="bg1"/>
                 </a:solidFill>
+                <a:latin typeface="Assistant" panose="00000500000000000000" pitchFamily="2" charset="-79"/>
+                <a:cs typeface="Assistant" panose="00000500000000000000" pitchFamily="2" charset="-79"/>
               </a:rPr>
               <a:t>Though the task be great that lies before us,</a:t>
             </a:r>
@@ -3339,10 +3355,12 @@
           <a:p>
             <a:pPr algn="ctr"/>
             <a:r>
-              <a:rPr lang="en-US" sz="3600" dirty="0">
+              <a:rPr lang="en-US" sz="2800" spc="50" dirty="0">
                 <a:solidFill>
                   <a:schemeClr val="bg1"/>
                 </a:solidFill>
+                <a:latin typeface="Assistant" panose="00000500000000000000" pitchFamily="2" charset="-79"/>
+                <a:cs typeface="Assistant" panose="00000500000000000000" pitchFamily="2" charset="-79"/>
               </a:rPr>
               <a:t>We trust in One divinely strong, </a:t>
             </a:r>
@@ -3350,10 +3368,12 @@
           <a:p>
             <a:pPr algn="ctr"/>
             <a:r>
-              <a:rPr lang="en-US" sz="3600" dirty="0">
+              <a:rPr lang="en-US" sz="2800" spc="50" dirty="0">
                 <a:solidFill>
                   <a:schemeClr val="bg1"/>
                 </a:solidFill>
+                <a:latin typeface="Assistant" panose="00000500000000000000" pitchFamily="2" charset="-79"/>
+                <a:cs typeface="Assistant" panose="00000500000000000000" pitchFamily="2" charset="-79"/>
               </a:rPr>
               <a:t>Knowing well at last we’ll be victorious;</a:t>
             </a:r>
@@ -3361,29 +3381,35 @@
           <a:p>
             <a:pPr algn="ctr"/>
             <a:r>
-              <a:rPr lang="en-US" sz="3600" dirty="0">
+              <a:rPr lang="en-US" sz="2800" spc="50" dirty="0">
                 <a:solidFill>
                   <a:schemeClr val="bg1"/>
                 </a:solidFill>
+                <a:latin typeface="Assistant" panose="00000500000000000000" pitchFamily="2" charset="-79"/>
+                <a:cs typeface="Assistant" panose="00000500000000000000" pitchFamily="2" charset="-79"/>
               </a:rPr>
               <a:t>We will pray that the time will not be long.</a:t>
             </a:r>
           </a:p>
           <a:p>
             <a:pPr algn="ctr"/>
-            <a:endParaRPr lang="en-US" sz="3600" dirty="0">
+            <a:endParaRPr lang="en-US" sz="2800" spc="50" dirty="0">
               <a:solidFill>
                 <a:schemeClr val="bg1"/>
               </a:solidFill>
+              <a:latin typeface="Assistant" panose="00000500000000000000" pitchFamily="2" charset="-79"/>
+              <a:cs typeface="Assistant" panose="00000500000000000000" pitchFamily="2" charset="-79"/>
             </a:endParaRPr>
           </a:p>
           <a:p>
             <a:pPr algn="ctr"/>
             <a:r>
-              <a:rPr lang="en-US" sz="3600" dirty="0">
+              <a:rPr lang="en-US" sz="2800" spc="50" dirty="0">
                 <a:solidFill>
                   <a:schemeClr val="bg1"/>
                 </a:solidFill>
+                <a:latin typeface="Assistant" panose="00000500000000000000" pitchFamily="2" charset="-79"/>
+                <a:cs typeface="Assistant" panose="00000500000000000000" pitchFamily="2" charset="-79"/>
               </a:rPr>
               <a:t>In these latter days, with songs of praise</a:t>
             </a:r>
@@ -3391,10 +3417,12 @@
           <a:p>
             <a:pPr algn="ctr"/>
             <a:r>
-              <a:rPr lang="en-US" sz="3600" dirty="0">
+              <a:rPr lang="en-US" sz="2800" spc="50" dirty="0">
                 <a:solidFill>
                   <a:schemeClr val="bg1"/>
                 </a:solidFill>
+                <a:latin typeface="Assistant" panose="00000500000000000000" pitchFamily="2" charset="-79"/>
+                <a:cs typeface="Assistant" panose="00000500000000000000" pitchFamily="2" charset="-79"/>
               </a:rPr>
               <a:t>We all must help to spread the gospel story,</a:t>
             </a:r>
@@ -3402,10 +3430,12 @@
           <a:p>
             <a:pPr algn="ctr"/>
             <a:r>
-              <a:rPr lang="en-US" sz="3600" dirty="0">
+              <a:rPr lang="en-US" sz="2800" spc="50" dirty="0">
                 <a:solidFill>
                   <a:schemeClr val="bg1"/>
                 </a:solidFill>
+                <a:latin typeface="Assistant" panose="00000500000000000000" pitchFamily="2" charset="-79"/>
+                <a:cs typeface="Assistant" panose="00000500000000000000" pitchFamily="2" charset="-79"/>
               </a:rPr>
               <a:t>Our every deed from sin be freed</a:t>
             </a:r>
@@ -3413,18 +3443,22 @@
           <a:p>
             <a:pPr algn="ctr"/>
             <a:r>
-              <a:rPr lang="en-US" sz="3600" dirty="0" err="1">
+              <a:rPr lang="en-US" sz="2800" spc="50" dirty="0" err="1">
                 <a:solidFill>
                   <a:schemeClr val="bg1"/>
                 </a:solidFill>
+                <a:latin typeface="Assistant" panose="00000500000000000000" pitchFamily="2" charset="-79"/>
+                <a:cs typeface="Assistant" panose="00000500000000000000" pitchFamily="2" charset="-79"/>
               </a:rPr>
               <a:t>‘Til</a:t>
             </a:r>
             <a:r>
-              <a:rPr lang="en-US" sz="3600" dirty="0">
+              <a:rPr lang="en-US" sz="2800" spc="50" dirty="0">
                 <a:solidFill>
                   <a:schemeClr val="bg1"/>
                 </a:solidFill>
+                <a:latin typeface="Assistant" panose="00000500000000000000" pitchFamily="2" charset="-79"/>
+                <a:cs typeface="Assistant" panose="00000500000000000000" pitchFamily="2" charset="-79"/>
               </a:rPr>
               <a:t> Zion we redeem </a:t>
             </a:r>
@@ -3526,8 +3560,8 @@
         </p:nvSpPr>
         <p:spPr>
           <a:xfrm>
-            <a:off x="0" y="5804209"/>
-            <a:ext cx="12192000" cy="830997"/>
+            <a:off x="0" y="5927320"/>
+            <a:ext cx="12192000" cy="584775"/>
           </a:xfrm>
           <a:prstGeom prst="rect">
             <a:avLst/>
@@ -3542,10 +3576,12 @@
           <a:p>
             <a:pPr algn="ctr"/>
             <a:r>
-              <a:rPr lang="en-US" sz="4800" dirty="0">
+              <a:rPr lang="en-US" sz="3200" u="sng" dirty="0">
                 <a:solidFill>
                   <a:schemeClr val="bg1"/>
                 </a:solidFill>
+                <a:latin typeface="Assistant SemiBold" panose="00000700000000000000" pitchFamily="2" charset="-79"/>
+                <a:cs typeface="Assistant SemiBold" panose="00000700000000000000" pitchFamily="2" charset="-79"/>
               </a:rPr>
               <a:t>“Unto God Who Knows Our Every Weakness”</a:t>
             </a:r>
@@ -3560,8 +3596,8 @@
         </p:nvSpPr>
         <p:spPr>
           <a:xfrm>
-            <a:off x="0" y="248013"/>
-            <a:ext cx="12192000" cy="5078313"/>
+            <a:off x="0" y="910040"/>
+            <a:ext cx="12192000" cy="3609380"/>
           </a:xfrm>
           <a:prstGeom prst="rect">
             <a:avLst/>
@@ -3576,10 +3612,12 @@
           <a:p>
             <a:pPr algn="ctr"/>
             <a:r>
-              <a:rPr lang="en-US" sz="3600" dirty="0">
+              <a:rPr lang="en-US" sz="2800" spc="50" dirty="0">
                 <a:solidFill>
                   <a:schemeClr val="bg1"/>
                 </a:solidFill>
+                <a:latin typeface="Assistant" panose="00000500000000000000" pitchFamily="2" charset="-79"/>
+                <a:cs typeface="Assistant" panose="00000500000000000000" pitchFamily="2" charset="-79"/>
               </a:rPr>
               <a:t>Lord, accept the humble consecration of our lives,</a:t>
             </a:r>
@@ -3587,10 +3625,12 @@
           <a:p>
             <a:pPr algn="ctr"/>
             <a:r>
-              <a:rPr lang="en-US" sz="3600" dirty="0">
+              <a:rPr lang="en-US" sz="2800" spc="50" dirty="0">
                 <a:solidFill>
                   <a:schemeClr val="bg1"/>
                 </a:solidFill>
+                <a:latin typeface="Assistant" panose="00000500000000000000" pitchFamily="2" charset="-79"/>
+                <a:cs typeface="Assistant" panose="00000500000000000000" pitchFamily="2" charset="-79"/>
               </a:rPr>
               <a:t>Our talents to Thy cause,</a:t>
             </a:r>
@@ -3598,18 +3638,22 @@
           <a:p>
             <a:pPr algn="ctr"/>
             <a:r>
-              <a:rPr lang="en-US" sz="3600" dirty="0" err="1">
+              <a:rPr lang="en-US" sz="2800" spc="50" dirty="0" err="1">
                 <a:solidFill>
                   <a:schemeClr val="bg1"/>
                 </a:solidFill>
+                <a:latin typeface="Assistant" panose="00000500000000000000" pitchFamily="2" charset="-79"/>
+                <a:cs typeface="Assistant" panose="00000500000000000000" pitchFamily="2" charset="-79"/>
               </a:rPr>
               <a:t>‘Til</a:t>
             </a:r>
             <a:r>
-              <a:rPr lang="en-US" sz="3600" dirty="0">
+              <a:rPr lang="en-US" sz="2800" spc="50" dirty="0">
                 <a:solidFill>
                   <a:schemeClr val="bg1"/>
                 </a:solidFill>
+                <a:latin typeface="Assistant" panose="00000500000000000000" pitchFamily="2" charset="-79"/>
+                <a:cs typeface="Assistant" panose="00000500000000000000" pitchFamily="2" charset="-79"/>
               </a:rPr>
               <a:t> Thy word is reached to every nation,</a:t>
             </a:r>
@@ -3617,29 +3661,35 @@
           <a:p>
             <a:pPr algn="ctr"/>
             <a:r>
-              <a:rPr lang="en-US" sz="3600" dirty="0">
+              <a:rPr lang="en-US" sz="2800" spc="50" dirty="0">
                 <a:solidFill>
                   <a:schemeClr val="bg1"/>
                 </a:solidFill>
+                <a:latin typeface="Assistant" panose="00000500000000000000" pitchFamily="2" charset="-79"/>
+                <a:cs typeface="Assistant" panose="00000500000000000000" pitchFamily="2" charset="-79"/>
               </a:rPr>
               <a:t>And all men have knowledge of Thy laws.</a:t>
             </a:r>
           </a:p>
           <a:p>
             <a:pPr algn="ctr"/>
-            <a:endParaRPr lang="en-US" sz="3600" dirty="0">
+            <a:endParaRPr lang="en-US" sz="2800" spc="50" dirty="0">
               <a:solidFill>
                 <a:schemeClr val="bg1"/>
               </a:solidFill>
+              <a:latin typeface="Assistant" panose="00000500000000000000" pitchFamily="2" charset="-79"/>
+              <a:cs typeface="Assistant" panose="00000500000000000000" pitchFamily="2" charset="-79"/>
             </a:endParaRPr>
           </a:p>
           <a:p>
             <a:pPr algn="ctr"/>
             <a:r>
-              <a:rPr lang="en-US" sz="3600" dirty="0">
+              <a:rPr lang="en-US" sz="2800" spc="50" dirty="0">
                 <a:solidFill>
                   <a:schemeClr val="bg1"/>
                 </a:solidFill>
+                <a:latin typeface="Assistant" panose="00000500000000000000" pitchFamily="2" charset="-79"/>
+                <a:cs typeface="Assistant" panose="00000500000000000000" pitchFamily="2" charset="-79"/>
               </a:rPr>
               <a:t>In these latter days, with songs of praise</a:t>
             </a:r>
@@ -3647,10 +3697,12 @@
           <a:p>
             <a:pPr algn="ctr"/>
             <a:r>
-              <a:rPr lang="en-US" sz="3600" dirty="0">
+              <a:rPr lang="en-US" sz="2800" spc="50" dirty="0">
                 <a:solidFill>
                   <a:schemeClr val="bg1"/>
                 </a:solidFill>
+                <a:latin typeface="Assistant" panose="00000500000000000000" pitchFamily="2" charset="-79"/>
+                <a:cs typeface="Assistant" panose="00000500000000000000" pitchFamily="2" charset="-79"/>
               </a:rPr>
               <a:t>We all must help to spread the gospel story,</a:t>
             </a:r>
@@ -3658,10 +3710,12 @@
           <a:p>
             <a:pPr algn="ctr"/>
             <a:r>
-              <a:rPr lang="en-US" sz="3600" dirty="0">
+              <a:rPr lang="en-US" sz="2800" spc="50" dirty="0">
                 <a:solidFill>
                   <a:schemeClr val="bg1"/>
                 </a:solidFill>
+                <a:latin typeface="Assistant" panose="00000500000000000000" pitchFamily="2" charset="-79"/>
+                <a:cs typeface="Assistant" panose="00000500000000000000" pitchFamily="2" charset="-79"/>
               </a:rPr>
               <a:t>Our every deed from sin be freed</a:t>
             </a:r>
@@ -3669,18 +3723,22 @@
           <a:p>
             <a:pPr algn="ctr"/>
             <a:r>
-              <a:rPr lang="en-US" sz="3600" dirty="0" err="1">
+              <a:rPr lang="en-US" sz="2800" spc="50" dirty="0" err="1">
                 <a:solidFill>
                   <a:schemeClr val="bg1"/>
                 </a:solidFill>
+                <a:latin typeface="Assistant" panose="00000500000000000000" pitchFamily="2" charset="-79"/>
+                <a:cs typeface="Assistant" panose="00000500000000000000" pitchFamily="2" charset="-79"/>
               </a:rPr>
               <a:t>‘Til</a:t>
             </a:r>
             <a:r>
-              <a:rPr lang="en-US" sz="3600" dirty="0">
+              <a:rPr lang="en-US" sz="2800" spc="50" dirty="0">
                 <a:solidFill>
                   <a:schemeClr val="bg1"/>
                 </a:solidFill>
+                <a:latin typeface="Assistant" panose="00000500000000000000" pitchFamily="2" charset="-79"/>
+                <a:cs typeface="Assistant" panose="00000500000000000000" pitchFamily="2" charset="-79"/>
               </a:rPr>
               <a:t> Zion we redeem </a:t>
             </a:r>
